--- a/DB/DB 1일차_ERD 연습문제.pptx
+++ b/DB/DB 1일차_ERD 연습문제.pptx
@@ -9,6 +9,8 @@
     <p:sldId id="257" r:id="rId3"/>
     <p:sldId id="258" r:id="rId4"/>
     <p:sldId id="260" r:id="rId5"/>
+    <p:sldId id="261" r:id="rId6"/>
+    <p:sldId id="262" r:id="rId7"/>
   </p:sldIdLst>
   <p:sldSz cx="12192000" cy="6858000"/>
   <p:notesSz cx="6858000" cy="9144000"/>
@@ -107,6 +109,11 @@
       </a:defRPr>
     </a:lvl9pPr>
   </p:defaultTextStyle>
+  <p:extLst>
+    <p:ext uri="{EFAFB233-063F-42B5-8137-9DF3F51BA10A}">
+      <p15:sldGuideLst xmlns:p15="http://schemas.microsoft.com/office/powerpoint/2012/main"/>
+    </p:ext>
+  </p:extLst>
 </p:presentation>
 </file>
 
@@ -241,7 +248,7 @@
           <a:p>
             <a:fld id="{F4C3A28A-16E5-408E-AF98-453A414F059B}" type="datetimeFigureOut">
               <a:rPr lang="ko-KR" altLang="en-US" smtClean="0"/>
-              <a:t>2022-05-30</a:t>
+              <a:t>2022-06-07</a:t>
             </a:fld>
             <a:endParaRPr lang="ko-KR" altLang="en-US"/>
           </a:p>
@@ -411,7 +418,7 @@
           <a:p>
             <a:fld id="{F4C3A28A-16E5-408E-AF98-453A414F059B}" type="datetimeFigureOut">
               <a:rPr lang="ko-KR" altLang="en-US" smtClean="0"/>
-              <a:t>2022-05-30</a:t>
+              <a:t>2022-06-07</a:t>
             </a:fld>
             <a:endParaRPr lang="ko-KR" altLang="en-US"/>
           </a:p>
@@ -591,7 +598,7 @@
           <a:p>
             <a:fld id="{F4C3A28A-16E5-408E-AF98-453A414F059B}" type="datetimeFigureOut">
               <a:rPr lang="ko-KR" altLang="en-US" smtClean="0"/>
-              <a:t>2022-05-30</a:t>
+              <a:t>2022-06-07</a:t>
             </a:fld>
             <a:endParaRPr lang="ko-KR" altLang="en-US"/>
           </a:p>
@@ -761,7 +768,7 @@
           <a:p>
             <a:fld id="{F4C3A28A-16E5-408E-AF98-453A414F059B}" type="datetimeFigureOut">
               <a:rPr lang="ko-KR" altLang="en-US" smtClean="0"/>
-              <a:t>2022-05-30</a:t>
+              <a:t>2022-06-07</a:t>
             </a:fld>
             <a:endParaRPr lang="ko-KR" altLang="en-US"/>
           </a:p>
@@ -1007,7 +1014,7 @@
           <a:p>
             <a:fld id="{F4C3A28A-16E5-408E-AF98-453A414F059B}" type="datetimeFigureOut">
               <a:rPr lang="ko-KR" altLang="en-US" smtClean="0"/>
-              <a:t>2022-05-30</a:t>
+              <a:t>2022-06-07</a:t>
             </a:fld>
             <a:endParaRPr lang="ko-KR" altLang="en-US"/>
           </a:p>
@@ -1239,7 +1246,7 @@
           <a:p>
             <a:fld id="{F4C3A28A-16E5-408E-AF98-453A414F059B}" type="datetimeFigureOut">
               <a:rPr lang="ko-KR" altLang="en-US" smtClean="0"/>
-              <a:t>2022-05-30</a:t>
+              <a:t>2022-06-07</a:t>
             </a:fld>
             <a:endParaRPr lang="ko-KR" altLang="en-US"/>
           </a:p>
@@ -1606,7 +1613,7 @@
           <a:p>
             <a:fld id="{F4C3A28A-16E5-408E-AF98-453A414F059B}" type="datetimeFigureOut">
               <a:rPr lang="ko-KR" altLang="en-US" smtClean="0"/>
-              <a:t>2022-05-30</a:t>
+              <a:t>2022-06-07</a:t>
             </a:fld>
             <a:endParaRPr lang="ko-KR" altLang="en-US"/>
           </a:p>
@@ -1724,7 +1731,7 @@
           <a:p>
             <a:fld id="{F4C3A28A-16E5-408E-AF98-453A414F059B}" type="datetimeFigureOut">
               <a:rPr lang="ko-KR" altLang="en-US" smtClean="0"/>
-              <a:t>2022-05-30</a:t>
+              <a:t>2022-06-07</a:t>
             </a:fld>
             <a:endParaRPr lang="ko-KR" altLang="en-US"/>
           </a:p>
@@ -1819,7 +1826,7 @@
           <a:p>
             <a:fld id="{F4C3A28A-16E5-408E-AF98-453A414F059B}" type="datetimeFigureOut">
               <a:rPr lang="ko-KR" altLang="en-US" smtClean="0"/>
-              <a:t>2022-05-30</a:t>
+              <a:t>2022-06-07</a:t>
             </a:fld>
             <a:endParaRPr lang="ko-KR" altLang="en-US"/>
           </a:p>
@@ -2096,7 +2103,7 @@
           <a:p>
             <a:fld id="{F4C3A28A-16E5-408E-AF98-453A414F059B}" type="datetimeFigureOut">
               <a:rPr lang="ko-KR" altLang="en-US" smtClean="0"/>
-              <a:t>2022-05-30</a:t>
+              <a:t>2022-06-07</a:t>
             </a:fld>
             <a:endParaRPr lang="ko-KR" altLang="en-US"/>
           </a:p>
@@ -2349,7 +2356,7 @@
           <a:p>
             <a:fld id="{F4C3A28A-16E5-408E-AF98-453A414F059B}" type="datetimeFigureOut">
               <a:rPr lang="ko-KR" altLang="en-US" smtClean="0"/>
-              <a:t>2022-05-30</a:t>
+              <a:t>2022-06-07</a:t>
             </a:fld>
             <a:endParaRPr lang="ko-KR" altLang="en-US"/>
           </a:p>
@@ -2562,7 +2569,7 @@
           <a:p>
             <a:fld id="{F4C3A28A-16E5-408E-AF98-453A414F059B}" type="datetimeFigureOut">
               <a:rPr lang="ko-KR" altLang="en-US" smtClean="0"/>
-              <a:t>2022-05-30</a:t>
+              <a:t>2022-06-07</a:t>
             </a:fld>
             <a:endParaRPr lang="ko-KR" altLang="en-US"/>
           </a:p>
@@ -6235,6 +6242,1567 @@
 </p:sld>
 </file>
 
+<file path=ppt/slides/slide5.xml><?xml version="1.0" encoding="utf-8"?>
+<p:sld xmlns:a="http://schemas.openxmlformats.org/drawingml/2006/main" xmlns:r="http://schemas.openxmlformats.org/officeDocument/2006/relationships" xmlns:p="http://schemas.openxmlformats.org/presentationml/2006/main">
+  <p:cSld>
+    <p:spTree>
+      <p:nvGrpSpPr>
+        <p:cNvPr id="1" name=""/>
+        <p:cNvGrpSpPr/>
+        <p:nvPr/>
+      </p:nvGrpSpPr>
+      <p:grpSpPr>
+        <a:xfrm>
+          <a:off x="0" y="0"/>
+          <a:ext cx="0" cy="0"/>
+          <a:chOff x="0" y="0"/>
+          <a:chExt cx="0" cy="0"/>
+        </a:xfrm>
+      </p:grpSpPr>
+      <p:sp>
+        <p:nvSpPr>
+          <p:cNvPr id="3" name="내용 개체 틀 2"/>
+          <p:cNvSpPr>
+            <a:spLocks noGrp="1"/>
+          </p:cNvSpPr>
+          <p:nvPr>
+            <p:ph idx="1"/>
+          </p:nvPr>
+        </p:nvSpPr>
+        <p:spPr>
+          <a:xfrm>
+            <a:off x="457200" y="120650"/>
+            <a:ext cx="10515600" cy="6737350"/>
+          </a:xfrm>
+        </p:spPr>
+        <p:txBody>
+          <a:bodyPr>
+            <a:normAutofit fontScale="47500" lnSpcReduction="20000"/>
+          </a:bodyPr>
+          <a:lstStyle/>
+          <a:p>
+            <a:r>
+              <a:rPr lang="ko-KR" altLang="en-US"/>
+              <a:t>의류 쇼핑몰 요구사항 명세서 작성</a:t>
+            </a:r>
+            <a:r>
+              <a:rPr lang="en-US" altLang="ko-KR"/>
+              <a:t>(</a:t>
+            </a:r>
+            <a:r>
+              <a:rPr lang="ko-KR" altLang="en-US"/>
+              <a:t>콘솔 응용프로그램 기준</a:t>
+            </a:r>
+            <a:r>
+              <a:rPr lang="en-US" altLang="ko-KR"/>
+              <a:t>)</a:t>
+            </a:r>
+          </a:p>
+          <a:p>
+            <a:r>
+              <a:rPr lang="en-US" altLang="ko-KR"/>
+              <a:t>- </a:t>
+            </a:r>
+            <a:r>
+              <a:rPr lang="ko-KR" altLang="en-US"/>
+              <a:t>회원가입</a:t>
+            </a:r>
+          </a:p>
+          <a:p>
+            <a:pPr marL="457200" lvl="1" indent="0">
+              <a:buNone/>
+            </a:pPr>
+            <a:r>
+              <a:rPr lang="en-US" altLang="ko-KR" smtClean="0"/>
+              <a:t>- </a:t>
+            </a:r>
+            <a:r>
+              <a:rPr lang="ko-KR" altLang="en-US"/>
+              <a:t>회원가입시 아이디</a:t>
+            </a:r>
+            <a:r>
+              <a:rPr lang="en-US" altLang="ko-KR"/>
+              <a:t>, </a:t>
+            </a:r>
+            <a:r>
+              <a:rPr lang="ko-KR" altLang="en-US"/>
+              <a:t>비밀번호 </a:t>
+            </a:r>
+            <a:r>
+              <a:rPr lang="en-US" altLang="ko-KR"/>
+              <a:t>,</a:t>
+            </a:r>
+            <a:r>
+              <a:rPr lang="ko-KR" altLang="en-US"/>
+              <a:t>비밀번호 확인</a:t>
+            </a:r>
+            <a:r>
+              <a:rPr lang="en-US" altLang="ko-KR"/>
+              <a:t>, </a:t>
+            </a:r>
+            <a:r>
+              <a:rPr lang="ko-KR" altLang="en-US"/>
+              <a:t>생년월일</a:t>
+            </a:r>
+            <a:r>
+              <a:rPr lang="en-US" altLang="ko-KR"/>
+              <a:t>, </a:t>
+            </a:r>
+            <a:r>
+              <a:rPr lang="ko-KR" altLang="en-US"/>
+              <a:t>주소를 입력한다</a:t>
+            </a:r>
+            <a:r>
+              <a:rPr lang="en-US" altLang="ko-KR"/>
+              <a:t>.</a:t>
+            </a:r>
+          </a:p>
+          <a:p>
+            <a:pPr marL="457200" lvl="1" indent="0">
+              <a:buNone/>
+            </a:pPr>
+            <a:r>
+              <a:rPr lang="en-US" altLang="ko-KR" smtClean="0"/>
+              <a:t>- </a:t>
+            </a:r>
+            <a:r>
+              <a:rPr lang="ko-KR" altLang="en-US"/>
+              <a:t>일반회원과 관리자는 권한만 다르고 나머지 정보는 같다</a:t>
+            </a:r>
+            <a:r>
+              <a:rPr lang="en-US" altLang="ko-KR"/>
+              <a:t>.</a:t>
+            </a:r>
+          </a:p>
+          <a:p>
+            <a:pPr marL="457200" lvl="1" indent="0">
+              <a:buNone/>
+            </a:pPr>
+            <a:r>
+              <a:rPr lang="en-US" altLang="ko-KR" smtClean="0"/>
+              <a:t>- </a:t>
+            </a:r>
+            <a:r>
+              <a:rPr lang="ko-KR" altLang="en-US"/>
+              <a:t>관리자는 미리 등록된 회원 정보를 이용한다</a:t>
+            </a:r>
+            <a:r>
+              <a:rPr lang="en-US" altLang="ko-KR"/>
+              <a:t>.(admin/admin)</a:t>
+            </a:r>
+          </a:p>
+          <a:p>
+            <a:pPr marL="457200" lvl="1" indent="0">
+              <a:buNone/>
+            </a:pPr>
+            <a:r>
+              <a:rPr lang="en-US" altLang="ko-KR" smtClean="0"/>
+              <a:t>- </a:t>
+            </a:r>
+            <a:r>
+              <a:rPr lang="ko-KR" altLang="en-US"/>
+              <a:t>아이디</a:t>
+            </a:r>
+            <a:r>
+              <a:rPr lang="en-US" altLang="ko-KR"/>
+              <a:t>, </a:t>
+            </a:r>
+            <a:r>
+              <a:rPr lang="ko-KR" altLang="en-US"/>
+              <a:t>비번</a:t>
+            </a:r>
+            <a:r>
+              <a:rPr lang="en-US" altLang="ko-KR"/>
+              <a:t>, </a:t>
+            </a:r>
+            <a:r>
+              <a:rPr lang="ko-KR" altLang="en-US"/>
+              <a:t>비번확인은 공백없이 입력한다</a:t>
+            </a:r>
+            <a:r>
+              <a:rPr lang="en-US" altLang="ko-KR"/>
+              <a:t>.</a:t>
+            </a:r>
+          </a:p>
+          <a:p>
+            <a:pPr marL="457200" lvl="1" indent="0">
+              <a:buNone/>
+            </a:pPr>
+            <a:r>
+              <a:rPr lang="en-US" altLang="ko-KR" smtClean="0"/>
+              <a:t>- </a:t>
+            </a:r>
+            <a:r>
+              <a:rPr lang="ko-KR" altLang="en-US"/>
+              <a:t>생년월일은 </a:t>
+            </a:r>
+            <a:r>
+              <a:rPr lang="en-US" altLang="ko-KR"/>
+              <a:t>yyyy-MM-dd </a:t>
+            </a:r>
+            <a:r>
+              <a:rPr lang="ko-KR" altLang="en-US"/>
+              <a:t>형태로 입력한다</a:t>
+            </a:r>
+            <a:r>
+              <a:rPr lang="en-US" altLang="ko-KR"/>
+              <a:t>.</a:t>
+            </a:r>
+          </a:p>
+          <a:p>
+            <a:pPr marL="457200" lvl="1" indent="0">
+              <a:buNone/>
+            </a:pPr>
+            <a:r>
+              <a:rPr lang="en-US" altLang="ko-KR" smtClean="0"/>
+              <a:t>- </a:t>
+            </a:r>
+            <a:r>
+              <a:rPr lang="ko-KR" altLang="en-US"/>
+              <a:t>주소는 공백을 포함한 한줄을 입력한다</a:t>
+            </a:r>
+            <a:r>
+              <a:rPr lang="en-US" altLang="ko-KR"/>
+              <a:t>.</a:t>
+            </a:r>
+          </a:p>
+          <a:p>
+            <a:pPr marL="457200" lvl="1" indent="0">
+              <a:buNone/>
+            </a:pPr>
+            <a:r>
+              <a:rPr lang="en-US" altLang="ko-KR" smtClean="0"/>
+              <a:t>- </a:t>
+            </a:r>
+            <a:r>
+              <a:rPr lang="ko-KR" altLang="en-US"/>
+              <a:t>일반 회원은 권한이 </a:t>
+            </a:r>
+            <a:r>
+              <a:rPr lang="en-US" altLang="ko-KR"/>
+              <a:t>USER </a:t>
+            </a:r>
+            <a:r>
+              <a:rPr lang="ko-KR" altLang="en-US"/>
+              <a:t>이고 관리자는 권한이 </a:t>
+            </a:r>
+            <a:r>
+              <a:rPr lang="en-US" altLang="ko-KR"/>
+              <a:t>ADMIN </a:t>
+            </a:r>
+            <a:r>
+              <a:rPr lang="ko-KR" altLang="en-US"/>
+              <a:t>이다</a:t>
+            </a:r>
+            <a:r>
+              <a:rPr lang="en-US" altLang="ko-KR"/>
+              <a:t>.</a:t>
+            </a:r>
+          </a:p>
+          <a:p>
+            <a:r>
+              <a:rPr lang="en-US" altLang="ko-KR"/>
+              <a:t>- </a:t>
+            </a:r>
+            <a:r>
+              <a:rPr lang="ko-KR" altLang="en-US" smtClean="0"/>
+              <a:t>로그인</a:t>
+            </a:r>
+            <a:endParaRPr lang="en-US" altLang="ko-KR" smtClean="0"/>
+          </a:p>
+          <a:p>
+            <a:pPr marL="457200" lvl="1" indent="0">
+              <a:buNone/>
+            </a:pPr>
+            <a:r>
+              <a:rPr lang="en-US" altLang="ko-KR" smtClean="0"/>
+              <a:t>- </a:t>
+            </a:r>
+            <a:r>
+              <a:rPr lang="ko-KR" altLang="en-US"/>
+              <a:t>아이디와 비번을 </a:t>
+            </a:r>
+            <a:r>
+              <a:rPr lang="ko-KR" altLang="en-US"/>
+              <a:t>입력하여 </a:t>
+            </a:r>
+            <a:r>
+              <a:rPr lang="ko-KR" altLang="en-US" smtClean="0"/>
+              <a:t>로그인한다</a:t>
+            </a:r>
+            <a:endParaRPr lang="en-US" altLang="ko-KR"/>
+          </a:p>
+          <a:p>
+            <a:pPr marL="457200" lvl="1" indent="0">
+              <a:buNone/>
+            </a:pPr>
+            <a:r>
+              <a:rPr lang="en-US" altLang="ko-KR" smtClean="0"/>
+              <a:t>- </a:t>
+            </a:r>
+            <a:r>
+              <a:rPr lang="ko-KR" altLang="en-US" smtClean="0"/>
+              <a:t>일치하는 회원 정보가 없으면 로그인 실패</a:t>
+            </a:r>
+            <a:r>
+              <a:rPr lang="en-US" altLang="ko-KR" smtClean="0"/>
+              <a:t>, </a:t>
+            </a:r>
+            <a:r>
+              <a:rPr lang="ko-KR" altLang="en-US" smtClean="0"/>
+              <a:t>있으면 로그인 성공을 한다</a:t>
+            </a:r>
+            <a:r>
+              <a:rPr lang="en-US" altLang="ko-KR" smtClean="0"/>
+              <a:t>.	</a:t>
+            </a:r>
+          </a:p>
+          <a:p>
+            <a:r>
+              <a:rPr lang="en-US" altLang="ko-KR" smtClean="0"/>
+              <a:t>- </a:t>
+            </a:r>
+            <a:r>
+              <a:rPr lang="ko-KR" altLang="en-US" smtClean="0"/>
+              <a:t>제품상세</a:t>
+            </a:r>
+            <a:endParaRPr lang="en-US" altLang="ko-KR" smtClean="0"/>
+          </a:p>
+          <a:p>
+            <a:pPr marL="457200" lvl="1" indent="0">
+              <a:buNone/>
+            </a:pPr>
+            <a:r>
+              <a:rPr lang="ko-KR" altLang="en-US" smtClean="0"/>
+              <a:t>제품에 </a:t>
+            </a:r>
+            <a:r>
+              <a:rPr lang="ko-KR" altLang="en-US"/>
+              <a:t>대한 정보를 </a:t>
+            </a:r>
+            <a:r>
+              <a:rPr lang="ko-KR" altLang="en-US"/>
+              <a:t>보여준다</a:t>
+            </a:r>
+            <a:r>
+              <a:rPr lang="en-US" altLang="ko-KR" smtClean="0"/>
+              <a:t>.</a:t>
+            </a:r>
+          </a:p>
+          <a:p>
+            <a:pPr marL="457200" lvl="1" indent="0">
+              <a:buNone/>
+            </a:pPr>
+            <a:r>
+              <a:rPr lang="ko-KR" altLang="en-US" smtClean="0"/>
+              <a:t>제품 </a:t>
+            </a:r>
+            <a:r>
+              <a:rPr lang="ko-KR" altLang="en-US"/>
+              <a:t>타입</a:t>
+            </a:r>
+            <a:r>
+              <a:rPr lang="en-US" altLang="ko-KR"/>
+              <a:t>(</a:t>
+            </a:r>
+            <a:r>
+              <a:rPr lang="ko-KR" altLang="en-US"/>
+              <a:t>상의</a:t>
+            </a:r>
+            <a:r>
+              <a:rPr lang="en-US" altLang="ko-KR"/>
+              <a:t>, </a:t>
+            </a:r>
+            <a:r>
+              <a:rPr lang="ko-KR" altLang="en-US"/>
+              <a:t>하의</a:t>
+            </a:r>
+            <a:r>
+              <a:rPr lang="en-US" altLang="ko-KR"/>
+              <a:t>, </a:t>
+            </a:r>
+            <a:r>
+              <a:rPr lang="ko-KR" altLang="en-US"/>
+              <a:t>원피스</a:t>
+            </a:r>
+            <a:r>
+              <a:rPr lang="en-US" altLang="ko-KR"/>
+              <a:t>, </a:t>
+            </a:r>
+            <a:r>
+              <a:rPr lang="ko-KR" altLang="en-US"/>
+              <a:t>신발</a:t>
+            </a:r>
+            <a:r>
+              <a:rPr lang="en-US" altLang="ko-KR"/>
+              <a:t>),</a:t>
+            </a:r>
+            <a:r>
+              <a:rPr lang="ko-KR" altLang="en-US"/>
+              <a:t>제품명</a:t>
+            </a:r>
+            <a:r>
+              <a:rPr lang="en-US" altLang="ko-KR"/>
+              <a:t>, </a:t>
+            </a:r>
+            <a:r>
+              <a:rPr lang="ko-KR" altLang="en-US"/>
+              <a:t>제품코드</a:t>
+            </a:r>
+            <a:r>
+              <a:rPr lang="en-US" altLang="ko-KR"/>
+              <a:t>,</a:t>
+            </a:r>
+            <a:r>
+              <a:rPr lang="ko-KR" altLang="en-US"/>
+              <a:t>제품설명</a:t>
+            </a:r>
+            <a:r>
+              <a:rPr lang="en-US" altLang="ko-KR"/>
+              <a:t>, </a:t>
+            </a:r>
+            <a:r>
+              <a:rPr lang="ko-KR" altLang="en-US"/>
+              <a:t>구매 가능한 제품 크기 표시</a:t>
+            </a:r>
+            <a:r>
+              <a:rPr lang="en-US" altLang="ko-KR"/>
+              <a:t>, </a:t>
+            </a:r>
+            <a:r>
+              <a:rPr lang="ko-KR" altLang="en-US"/>
+              <a:t>제품 크기별 구매 가능한 수량</a:t>
+            </a:r>
+            <a:r>
+              <a:rPr lang="en-US" altLang="ko-KR"/>
+              <a:t>, </a:t>
+            </a:r>
+            <a:r>
+              <a:rPr lang="ko-KR" altLang="en-US"/>
+              <a:t>가격을 보여준다</a:t>
+            </a:r>
+            <a:r>
+              <a:rPr lang="en-US" altLang="ko-KR"/>
+              <a:t>.</a:t>
+            </a:r>
+          </a:p>
+          <a:p>
+            <a:r>
+              <a:rPr lang="en-US" altLang="ko-KR"/>
+              <a:t>- </a:t>
+            </a:r>
+            <a:r>
+              <a:rPr lang="ko-KR" altLang="en-US"/>
+              <a:t>제품 </a:t>
+            </a:r>
+            <a:r>
+              <a:rPr lang="ko-KR" altLang="en-US" smtClean="0"/>
+              <a:t>등록</a:t>
+            </a:r>
+            <a:endParaRPr lang="en-US" altLang="ko-KR" smtClean="0"/>
+          </a:p>
+          <a:p>
+            <a:pPr marL="457200" lvl="1" indent="0">
+              <a:buNone/>
+            </a:pPr>
+            <a:r>
+              <a:rPr lang="en-US" altLang="ko-KR" smtClean="0"/>
+              <a:t>- </a:t>
+            </a:r>
+            <a:r>
+              <a:rPr lang="ko-KR" altLang="en-US" smtClean="0"/>
+              <a:t>제품 정보를 입력하여 제품을 등록</a:t>
+            </a:r>
+            <a:endParaRPr lang="en-US" altLang="ko-KR" smtClean="0"/>
+          </a:p>
+          <a:p>
+            <a:pPr marL="457200" lvl="1" indent="0">
+              <a:buNone/>
+            </a:pPr>
+            <a:r>
+              <a:rPr lang="en-US" altLang="ko-KR" smtClean="0"/>
+              <a:t>- </a:t>
+            </a:r>
+            <a:r>
+              <a:rPr lang="ko-KR" altLang="en-US" smtClean="0"/>
+              <a:t>제품 타입</a:t>
+            </a:r>
+            <a:r>
+              <a:rPr lang="en-US" altLang="ko-KR" smtClean="0"/>
+              <a:t>, </a:t>
+            </a:r>
+            <a:r>
+              <a:rPr lang="ko-KR" altLang="en-US" smtClean="0"/>
+              <a:t>제품명</a:t>
+            </a:r>
+            <a:r>
+              <a:rPr lang="en-US" altLang="ko-KR" smtClean="0"/>
+              <a:t>, </a:t>
+            </a:r>
+            <a:r>
+              <a:rPr lang="ko-KR" altLang="en-US" smtClean="0"/>
+              <a:t>제품코드</a:t>
+            </a:r>
+            <a:r>
+              <a:rPr lang="en-US" altLang="ko-KR" smtClean="0"/>
+              <a:t>, </a:t>
+            </a:r>
+            <a:r>
+              <a:rPr lang="ko-KR" altLang="en-US" smtClean="0"/>
+              <a:t>제품 설명</a:t>
+            </a:r>
+            <a:r>
+              <a:rPr lang="en-US" altLang="ko-KR" smtClean="0"/>
+              <a:t>, </a:t>
+            </a:r>
+            <a:r>
+              <a:rPr lang="ko-KR" altLang="en-US" smtClean="0"/>
+              <a:t>제품 가능크기</a:t>
+            </a:r>
+            <a:r>
+              <a:rPr lang="en-US" altLang="ko-KR" smtClean="0"/>
+              <a:t>(</a:t>
+            </a:r>
+            <a:r>
+              <a:rPr lang="ko-KR" altLang="en-US" smtClean="0"/>
+              <a:t>신발</a:t>
+            </a:r>
+            <a:r>
+              <a:rPr lang="en-US" altLang="ko-KR" smtClean="0"/>
+              <a:t>(220~280),</a:t>
+            </a:r>
+            <a:r>
+              <a:rPr lang="ko-KR" altLang="en-US" smtClean="0"/>
+              <a:t>상의</a:t>
+            </a:r>
+            <a:r>
+              <a:rPr lang="en-US" altLang="ko-KR" smtClean="0"/>
+              <a:t>(s~xL),</a:t>
+            </a:r>
+            <a:r>
+              <a:rPr lang="ko-KR" altLang="en-US" smtClean="0"/>
+              <a:t>하의</a:t>
+            </a:r>
+            <a:r>
+              <a:rPr lang="en-US" altLang="ko-KR" smtClean="0"/>
+              <a:t>(28~36)) , </a:t>
+            </a:r>
+            <a:r>
+              <a:rPr lang="ko-KR" altLang="en-US" smtClean="0"/>
+              <a:t>제품 가능 크기별 수량</a:t>
+            </a:r>
+            <a:r>
+              <a:rPr lang="en-US" altLang="ko-KR" smtClean="0"/>
+              <a:t>, </a:t>
+            </a:r>
+            <a:r>
+              <a:rPr lang="ko-KR" altLang="en-US" smtClean="0"/>
+              <a:t>가격을 입력한다</a:t>
+            </a:r>
+            <a:r>
+              <a:rPr lang="en-US" altLang="ko-KR" smtClean="0"/>
+              <a:t>.</a:t>
+            </a:r>
+          </a:p>
+          <a:p>
+            <a:pPr marL="457200" lvl="1" indent="0">
+              <a:buNone/>
+            </a:pPr>
+            <a:r>
+              <a:rPr lang="en-US" altLang="ko-KR" smtClean="0"/>
+              <a:t>- </a:t>
+            </a:r>
+            <a:r>
+              <a:rPr lang="ko-KR" altLang="en-US"/>
+              <a:t>제품은 관리자만 등록할 수 있다</a:t>
+            </a:r>
+            <a:r>
+              <a:rPr lang="en-US" altLang="ko-KR"/>
+              <a:t>.</a:t>
+            </a:r>
+          </a:p>
+          <a:p>
+            <a:r>
+              <a:rPr lang="en-US" altLang="ko-KR"/>
+              <a:t>- </a:t>
+            </a:r>
+            <a:r>
+              <a:rPr lang="ko-KR" altLang="en-US"/>
+              <a:t>제품 </a:t>
+            </a:r>
+            <a:r>
+              <a:rPr lang="ko-KR" altLang="en-US" smtClean="0"/>
+              <a:t>수정</a:t>
+            </a:r>
+            <a:endParaRPr lang="en-US" altLang="ko-KR" smtClean="0"/>
+          </a:p>
+          <a:p>
+            <a:pPr marL="457200" lvl="1" indent="0">
+              <a:buNone/>
+            </a:pPr>
+            <a:r>
+              <a:rPr lang="en-US" altLang="ko-KR" smtClean="0"/>
+              <a:t>- </a:t>
+            </a:r>
+            <a:r>
+              <a:rPr lang="ko-KR" altLang="en-US"/>
+              <a:t>제품 정보를 입력하여 </a:t>
+            </a:r>
+            <a:r>
+              <a:rPr lang="ko-KR" altLang="en-US"/>
+              <a:t>제품을 </a:t>
+            </a:r>
+            <a:r>
+              <a:rPr lang="ko-KR" altLang="en-US" smtClean="0"/>
+              <a:t>수정</a:t>
+            </a:r>
+            <a:endParaRPr lang="en-US" altLang="ko-KR" smtClean="0"/>
+          </a:p>
+          <a:p>
+            <a:pPr marL="457200" lvl="1" indent="0">
+              <a:buNone/>
+            </a:pPr>
+            <a:r>
+              <a:rPr lang="en-US" altLang="ko-KR" smtClean="0"/>
+              <a:t>- </a:t>
+            </a:r>
+            <a:r>
+              <a:rPr lang="ko-KR" altLang="en-US"/>
+              <a:t>제품 타입</a:t>
+            </a:r>
+            <a:r>
+              <a:rPr lang="en-US" altLang="ko-KR"/>
+              <a:t>, </a:t>
+            </a:r>
+            <a:r>
+              <a:rPr lang="ko-KR" altLang="en-US"/>
+              <a:t>제품명</a:t>
+            </a:r>
+            <a:r>
+              <a:rPr lang="en-US" altLang="ko-KR"/>
+              <a:t>, </a:t>
+            </a:r>
+            <a:r>
+              <a:rPr lang="ko-KR" altLang="en-US"/>
+              <a:t>제품코드</a:t>
+            </a:r>
+            <a:r>
+              <a:rPr lang="en-US" altLang="ko-KR"/>
+              <a:t>, </a:t>
+            </a:r>
+            <a:r>
+              <a:rPr lang="ko-KR" altLang="en-US"/>
+              <a:t>제품 설명</a:t>
+            </a:r>
+            <a:r>
+              <a:rPr lang="en-US" altLang="ko-KR"/>
+              <a:t>, </a:t>
+            </a:r>
+            <a:r>
+              <a:rPr lang="ko-KR" altLang="en-US"/>
+              <a:t>제품 가능크기</a:t>
+            </a:r>
+            <a:r>
+              <a:rPr lang="en-US" altLang="ko-KR"/>
+              <a:t>(</a:t>
+            </a:r>
+            <a:r>
+              <a:rPr lang="ko-KR" altLang="en-US"/>
+              <a:t>신발</a:t>
+            </a:r>
+            <a:r>
+              <a:rPr lang="en-US" altLang="ko-KR"/>
+              <a:t>(220~280),</a:t>
+            </a:r>
+            <a:r>
+              <a:rPr lang="ko-KR" altLang="en-US"/>
+              <a:t>상의</a:t>
+            </a:r>
+            <a:r>
+              <a:rPr lang="en-US" altLang="ko-KR"/>
+              <a:t>(s~xL),</a:t>
+            </a:r>
+            <a:r>
+              <a:rPr lang="ko-KR" altLang="en-US"/>
+              <a:t>하의</a:t>
+            </a:r>
+            <a:r>
+              <a:rPr lang="en-US" altLang="ko-KR"/>
+              <a:t>(28~36)) , </a:t>
+            </a:r>
+            <a:r>
+              <a:rPr lang="ko-KR" altLang="en-US"/>
+              <a:t>제품 가능 크기별 수량</a:t>
+            </a:r>
+            <a:r>
+              <a:rPr lang="en-US" altLang="ko-KR"/>
+              <a:t>, </a:t>
+            </a:r>
+            <a:r>
+              <a:rPr lang="ko-KR" altLang="en-US"/>
+              <a:t>가격 중 수정하고 싶은 </a:t>
+            </a:r>
+            <a:r>
+              <a:rPr lang="ko-KR" altLang="en-US"/>
+              <a:t>내용을 </a:t>
+            </a:r>
+            <a:r>
+              <a:rPr lang="ko-KR" altLang="en-US"/>
+              <a:t>							</a:t>
+            </a:r>
+            <a:r>
+              <a:rPr lang="ko-KR" altLang="en-US"/>
+              <a:t>	</a:t>
+            </a:r>
+            <a:r>
+              <a:rPr lang="en-US" altLang="ko-KR" smtClean="0"/>
+              <a:t>	</a:t>
+            </a:r>
+            <a:r>
+              <a:rPr lang="ko-KR" altLang="en-US" smtClean="0"/>
+              <a:t>선택하여 수정한다</a:t>
+            </a:r>
+            <a:endParaRPr lang="en-US" altLang="ko-KR" smtClean="0"/>
+          </a:p>
+          <a:p>
+            <a:pPr marL="457200" lvl="1" indent="0">
+              <a:buNone/>
+            </a:pPr>
+            <a:r>
+              <a:rPr lang="en-US" altLang="ko-KR" smtClean="0"/>
+              <a:t>- </a:t>
+            </a:r>
+            <a:r>
+              <a:rPr lang="ko-KR" altLang="en-US"/>
+              <a:t>제품은 관리자만 수정할 수 있다</a:t>
+            </a:r>
+            <a:r>
+              <a:rPr lang="en-US" altLang="ko-KR"/>
+              <a:t>.</a:t>
+            </a:r>
+          </a:p>
+          <a:p>
+            <a:r>
+              <a:rPr lang="en-US" altLang="ko-KR"/>
+              <a:t>- </a:t>
+            </a:r>
+            <a:r>
+              <a:rPr lang="ko-KR" altLang="en-US"/>
+              <a:t>제품 </a:t>
+            </a:r>
+            <a:r>
+              <a:rPr lang="ko-KR" altLang="en-US" smtClean="0"/>
+              <a:t>구매</a:t>
+            </a:r>
+            <a:endParaRPr lang="en-US" altLang="ko-KR" smtClean="0"/>
+          </a:p>
+          <a:p>
+            <a:pPr marL="457200" lvl="1" indent="0">
+              <a:buNone/>
+            </a:pPr>
+            <a:r>
+              <a:rPr lang="en-US" altLang="ko-KR" smtClean="0"/>
+              <a:t>- </a:t>
+            </a:r>
+            <a:r>
+              <a:rPr lang="ko-KR" altLang="en-US"/>
+              <a:t>제품 상세에서만 할 수 </a:t>
+            </a:r>
+            <a:r>
+              <a:rPr lang="ko-KR" altLang="en-US"/>
+              <a:t>있다</a:t>
+            </a:r>
+            <a:r>
+              <a:rPr lang="en-US" altLang="ko-KR" smtClean="0"/>
+              <a:t>.</a:t>
+            </a:r>
+          </a:p>
+          <a:p>
+            <a:pPr marL="457200" lvl="1" indent="0">
+              <a:buNone/>
+            </a:pPr>
+            <a:r>
+              <a:rPr lang="en-US" altLang="ko-KR" smtClean="0"/>
+              <a:t>- </a:t>
+            </a:r>
+            <a:r>
+              <a:rPr lang="ko-KR" altLang="en-US" smtClean="0"/>
+              <a:t>제품은 </a:t>
+            </a:r>
+            <a:r>
+              <a:rPr lang="ko-KR" altLang="en-US"/>
+              <a:t>모든 회원이 구매할 수 </a:t>
+            </a:r>
+            <a:r>
+              <a:rPr lang="ko-KR" altLang="en-US"/>
+              <a:t>있다</a:t>
+            </a:r>
+            <a:r>
+              <a:rPr lang="en-US" altLang="ko-KR" smtClean="0"/>
+              <a:t>.</a:t>
+            </a:r>
+          </a:p>
+          <a:p>
+            <a:pPr marL="457200" lvl="1" indent="0">
+              <a:buNone/>
+            </a:pPr>
+            <a:r>
+              <a:rPr lang="en-US" altLang="ko-KR" smtClean="0"/>
+              <a:t>- </a:t>
+            </a:r>
+            <a:r>
+              <a:rPr lang="ko-KR" altLang="en-US"/>
+              <a:t>제품을 선택</a:t>
+            </a:r>
+            <a:r>
+              <a:rPr lang="en-US" altLang="ko-KR"/>
+              <a:t>, </a:t>
+            </a:r>
+            <a:r>
+              <a:rPr lang="ko-KR" altLang="en-US"/>
+              <a:t>제품 크기와 수량을 선택하여 구매 </a:t>
+            </a:r>
+            <a:r>
+              <a:rPr lang="ko-KR" altLang="en-US"/>
+              <a:t>한다</a:t>
+            </a:r>
+            <a:r>
+              <a:rPr lang="en-US" altLang="ko-KR" smtClean="0"/>
+              <a:t>.</a:t>
+            </a:r>
+          </a:p>
+          <a:p>
+            <a:pPr marL="457200" lvl="1" indent="0">
+              <a:buNone/>
+            </a:pPr>
+            <a:r>
+              <a:rPr lang="en-US" altLang="ko-KR" smtClean="0"/>
+              <a:t>- </a:t>
+            </a:r>
+            <a:r>
+              <a:rPr lang="ko-KR" altLang="en-US"/>
+              <a:t>제품을 구매하기 위해 배송지를 </a:t>
+            </a:r>
+            <a:r>
+              <a:rPr lang="ko-KR" altLang="en-US"/>
+              <a:t>입력한다</a:t>
+            </a:r>
+            <a:r>
+              <a:rPr lang="en-US" altLang="ko-KR" smtClean="0"/>
+              <a:t>.</a:t>
+            </a:r>
+          </a:p>
+          <a:p>
+            <a:pPr marL="457200" lvl="1" indent="0">
+              <a:buNone/>
+            </a:pPr>
+            <a:r>
+              <a:rPr lang="en-US" altLang="ko-KR" smtClean="0"/>
+              <a:t>- </a:t>
+            </a:r>
+            <a:r>
+              <a:rPr lang="ko-KR" altLang="en-US"/>
+              <a:t>제품 구매시 한번에 한 종류만 구매가능하다</a:t>
+            </a:r>
+            <a:r>
+              <a:rPr lang="en-US" altLang="ko-KR"/>
+              <a:t>.</a:t>
+            </a:r>
+          </a:p>
+          <a:p>
+            <a:r>
+              <a:rPr lang="en-US" altLang="ko-KR"/>
+              <a:t>- </a:t>
+            </a:r>
+            <a:r>
+              <a:rPr lang="ko-KR" altLang="en-US" smtClean="0"/>
+              <a:t>배송정보확인</a:t>
+            </a:r>
+            <a:endParaRPr lang="en-US" altLang="ko-KR" smtClean="0"/>
+          </a:p>
+          <a:p>
+            <a:pPr lvl="1"/>
+            <a:r>
+              <a:rPr lang="en-US" altLang="ko-KR" smtClean="0"/>
+              <a:t> </a:t>
+            </a:r>
+            <a:r>
+              <a:rPr lang="ko-KR" altLang="en-US"/>
+              <a:t>구매한 제품의 배송 상태를 확인한다</a:t>
+            </a:r>
+            <a:r>
+              <a:rPr lang="en-US" altLang="ko-KR"/>
+              <a:t>.</a:t>
+            </a:r>
+          </a:p>
+          <a:p>
+            <a:endParaRPr lang="ko-KR" altLang="en-US"/>
+          </a:p>
+        </p:txBody>
+      </p:sp>
+    </p:spTree>
+    <p:extLst>
+      <p:ext uri="{BB962C8B-B14F-4D97-AF65-F5344CB8AC3E}">
+        <p14:creationId xmlns:p14="http://schemas.microsoft.com/office/powerpoint/2010/main" val="1928977447"/>
+      </p:ext>
+    </p:extLst>
+  </p:cSld>
+  <p:clrMapOvr>
+    <a:masterClrMapping/>
+  </p:clrMapOvr>
+</p:sld>
+</file>
+
+<file path=ppt/slides/slide6.xml><?xml version="1.0" encoding="utf-8"?>
+<p:sld xmlns:a="http://schemas.openxmlformats.org/drawingml/2006/main" xmlns:r="http://schemas.openxmlformats.org/officeDocument/2006/relationships" xmlns:p="http://schemas.openxmlformats.org/presentationml/2006/main">
+  <p:cSld>
+    <p:spTree>
+      <p:nvGrpSpPr>
+        <p:cNvPr id="1" name=""/>
+        <p:cNvGrpSpPr/>
+        <p:nvPr/>
+      </p:nvGrpSpPr>
+      <p:grpSpPr>
+        <a:xfrm>
+          <a:off x="0" y="0"/>
+          <a:ext cx="0" cy="0"/>
+          <a:chOff x="0" y="0"/>
+          <a:chExt cx="0" cy="0"/>
+        </a:xfrm>
+      </p:grpSpPr>
+      <p:sp>
+        <p:nvSpPr>
+          <p:cNvPr id="7" name="직사각형 6"/>
+          <p:cNvSpPr/>
+          <p:nvPr/>
+        </p:nvSpPr>
+        <p:spPr>
+          <a:xfrm>
+            <a:off x="2316918" y="2385824"/>
+            <a:ext cx="758780" cy="616229"/>
+          </a:xfrm>
+          <a:prstGeom prst="rect">
+            <a:avLst/>
+          </a:prstGeom>
+        </p:spPr>
+        <p:style>
+          <a:lnRef idx="2">
+            <a:schemeClr val="accent1">
+              <a:shade val="50000"/>
+            </a:schemeClr>
+          </a:lnRef>
+          <a:fillRef idx="1">
+            <a:schemeClr val="accent1"/>
+          </a:fillRef>
+          <a:effectRef idx="0">
+            <a:schemeClr val="accent1"/>
+          </a:effectRef>
+          <a:fontRef idx="minor">
+            <a:schemeClr val="lt1"/>
+          </a:fontRef>
+        </p:style>
+        <p:txBody>
+          <a:bodyPr rtlCol="0" anchor="ctr"/>
+          <a:lstStyle/>
+          <a:p>
+            <a:pPr algn="ctr"/>
+            <a:r>
+              <a:rPr lang="ko-KR" altLang="en-US" sz="1100" smtClean="0"/>
+              <a:t>회원가입</a:t>
+            </a:r>
+            <a:endParaRPr lang="ko-KR" altLang="en-US" sz="1100"/>
+          </a:p>
+        </p:txBody>
+      </p:sp>
+      <p:sp>
+        <p:nvSpPr>
+          <p:cNvPr id="14" name="다이아몬드 13"/>
+          <p:cNvSpPr/>
+          <p:nvPr/>
+        </p:nvSpPr>
+        <p:spPr>
+          <a:xfrm>
+            <a:off x="4297348" y="2159458"/>
+            <a:ext cx="1670051" cy="1228321"/>
+          </a:xfrm>
+          <a:prstGeom prst="diamond">
+            <a:avLst/>
+          </a:prstGeom>
+        </p:spPr>
+        <p:style>
+          <a:lnRef idx="2">
+            <a:schemeClr val="accent1">
+              <a:shade val="50000"/>
+            </a:schemeClr>
+          </a:lnRef>
+          <a:fillRef idx="1">
+            <a:schemeClr val="accent1"/>
+          </a:fillRef>
+          <a:effectRef idx="0">
+            <a:schemeClr val="accent1"/>
+          </a:effectRef>
+          <a:fontRef idx="minor">
+            <a:schemeClr val="lt1"/>
+          </a:fontRef>
+        </p:style>
+        <p:txBody>
+          <a:bodyPr rtlCol="0" anchor="ctr"/>
+          <a:lstStyle/>
+          <a:p>
+            <a:pPr algn="ctr"/>
+            <a:r>
+              <a:rPr lang="ko-KR" altLang="en-US" sz="1100" smtClean="0"/>
+              <a:t>의류</a:t>
+            </a:r>
+            <a:endParaRPr lang="en-US" altLang="ko-KR" sz="1100" smtClean="0"/>
+          </a:p>
+          <a:p>
+            <a:pPr algn="ctr"/>
+            <a:r>
+              <a:rPr lang="ko-KR" altLang="en-US" sz="1100" smtClean="0"/>
+              <a:t>쇼핑몰</a:t>
+            </a:r>
+            <a:endParaRPr lang="ko-KR" altLang="en-US" sz="1100"/>
+          </a:p>
+        </p:txBody>
+      </p:sp>
+      <p:sp>
+        <p:nvSpPr>
+          <p:cNvPr id="16" name="타원 15"/>
+          <p:cNvSpPr/>
+          <p:nvPr/>
+        </p:nvSpPr>
+        <p:spPr>
+          <a:xfrm>
+            <a:off x="1289608" y="2521811"/>
+            <a:ext cx="719492" cy="436805"/>
+          </a:xfrm>
+          <a:prstGeom prst="ellipse">
+            <a:avLst/>
+          </a:prstGeom>
+        </p:spPr>
+        <p:style>
+          <a:lnRef idx="2">
+            <a:schemeClr val="accent1">
+              <a:shade val="50000"/>
+            </a:schemeClr>
+          </a:lnRef>
+          <a:fillRef idx="1">
+            <a:schemeClr val="accent1"/>
+          </a:fillRef>
+          <a:effectRef idx="0">
+            <a:schemeClr val="accent1"/>
+          </a:effectRef>
+          <a:fontRef idx="minor">
+            <a:schemeClr val="lt1"/>
+          </a:fontRef>
+        </p:style>
+        <p:txBody>
+          <a:bodyPr rtlCol="0" anchor="ctr"/>
+          <a:lstStyle/>
+          <a:p>
+            <a:pPr algn="ctr"/>
+            <a:r>
+              <a:rPr lang="ko-KR" altLang="en-US" sz="1100" smtClean="0"/>
+              <a:t>생년월일</a:t>
+            </a:r>
+            <a:endParaRPr lang="ko-KR" altLang="en-US" sz="1100"/>
+          </a:p>
+        </p:txBody>
+      </p:sp>
+      <p:sp>
+        <p:nvSpPr>
+          <p:cNvPr id="17" name="타원 16"/>
+          <p:cNvSpPr/>
+          <p:nvPr/>
+        </p:nvSpPr>
+        <p:spPr>
+          <a:xfrm>
+            <a:off x="1179212" y="1335623"/>
+            <a:ext cx="861696" cy="380285"/>
+          </a:xfrm>
+          <a:prstGeom prst="ellipse">
+            <a:avLst/>
+          </a:prstGeom>
+        </p:spPr>
+        <p:style>
+          <a:lnRef idx="2">
+            <a:schemeClr val="accent1">
+              <a:shade val="50000"/>
+            </a:schemeClr>
+          </a:lnRef>
+          <a:fillRef idx="1">
+            <a:schemeClr val="accent1"/>
+          </a:fillRef>
+          <a:effectRef idx="0">
+            <a:schemeClr val="accent1"/>
+          </a:effectRef>
+          <a:fontRef idx="minor">
+            <a:schemeClr val="lt1"/>
+          </a:fontRef>
+        </p:style>
+        <p:txBody>
+          <a:bodyPr rtlCol="0" anchor="ctr"/>
+          <a:lstStyle/>
+          <a:p>
+            <a:pPr algn="ctr"/>
+            <a:r>
+              <a:rPr lang="ko-KR" altLang="en-US" sz="1100" smtClean="0"/>
+              <a:t>아이디</a:t>
+            </a:r>
+            <a:endParaRPr lang="ko-KR" altLang="en-US" sz="1100"/>
+          </a:p>
+        </p:txBody>
+      </p:sp>
+      <p:sp>
+        <p:nvSpPr>
+          <p:cNvPr id="18" name="타원 17"/>
+          <p:cNvSpPr/>
+          <p:nvPr/>
+        </p:nvSpPr>
+        <p:spPr>
+          <a:xfrm>
+            <a:off x="136012" y="34091"/>
+            <a:ext cx="1057835" cy="770965"/>
+          </a:xfrm>
+          <a:prstGeom prst="ellipse">
+            <a:avLst/>
+          </a:prstGeom>
+        </p:spPr>
+        <p:style>
+          <a:lnRef idx="2">
+            <a:schemeClr val="accent1">
+              <a:shade val="50000"/>
+            </a:schemeClr>
+          </a:lnRef>
+          <a:fillRef idx="1">
+            <a:schemeClr val="accent1"/>
+          </a:fillRef>
+          <a:effectRef idx="0">
+            <a:schemeClr val="accent1"/>
+          </a:effectRef>
+          <a:fontRef idx="minor">
+            <a:schemeClr val="lt1"/>
+          </a:fontRef>
+        </p:style>
+        <p:txBody>
+          <a:bodyPr rtlCol="0" anchor="ctr"/>
+          <a:lstStyle/>
+          <a:p>
+            <a:pPr algn="ctr"/>
+            <a:endParaRPr lang="ko-KR" altLang="en-US"/>
+          </a:p>
+        </p:txBody>
+      </p:sp>
+      <p:sp>
+        <p:nvSpPr>
+          <p:cNvPr id="19" name="타원 18"/>
+          <p:cNvSpPr/>
+          <p:nvPr/>
+        </p:nvSpPr>
+        <p:spPr>
+          <a:xfrm>
+            <a:off x="8041355" y="2263026"/>
+            <a:ext cx="726041" cy="566899"/>
+          </a:xfrm>
+          <a:prstGeom prst="ellipse">
+            <a:avLst/>
+          </a:prstGeom>
+        </p:spPr>
+        <p:style>
+          <a:lnRef idx="2">
+            <a:schemeClr val="accent1">
+              <a:shade val="50000"/>
+            </a:schemeClr>
+          </a:lnRef>
+          <a:fillRef idx="1">
+            <a:schemeClr val="accent1"/>
+          </a:fillRef>
+          <a:effectRef idx="0">
+            <a:schemeClr val="accent1"/>
+          </a:effectRef>
+          <a:fontRef idx="minor">
+            <a:schemeClr val="lt1"/>
+          </a:fontRef>
+        </p:style>
+        <p:txBody>
+          <a:bodyPr rtlCol="0" anchor="ctr"/>
+          <a:lstStyle/>
+          <a:p>
+            <a:pPr algn="ctr"/>
+            <a:r>
+              <a:rPr lang="ko-KR" altLang="en-US" sz="1100" smtClean="0"/>
+              <a:t>제품 구매</a:t>
+            </a:r>
+            <a:endParaRPr lang="ko-KR" altLang="en-US" sz="1100"/>
+          </a:p>
+        </p:txBody>
+      </p:sp>
+      <p:sp>
+        <p:nvSpPr>
+          <p:cNvPr id="20" name="타원 19"/>
+          <p:cNvSpPr/>
+          <p:nvPr/>
+        </p:nvSpPr>
+        <p:spPr>
+          <a:xfrm>
+            <a:off x="1415131" y="921888"/>
+            <a:ext cx="687208" cy="376516"/>
+          </a:xfrm>
+          <a:prstGeom prst="ellipse">
+            <a:avLst/>
+          </a:prstGeom>
+        </p:spPr>
+        <p:style>
+          <a:lnRef idx="2">
+            <a:schemeClr val="accent1">
+              <a:shade val="50000"/>
+            </a:schemeClr>
+          </a:lnRef>
+          <a:fillRef idx="1">
+            <a:schemeClr val="accent1"/>
+          </a:fillRef>
+          <a:effectRef idx="0">
+            <a:schemeClr val="accent1"/>
+          </a:effectRef>
+          <a:fontRef idx="minor">
+            <a:schemeClr val="lt1"/>
+          </a:fontRef>
+        </p:style>
+        <p:txBody>
+          <a:bodyPr rtlCol="0" anchor="ctr"/>
+          <a:lstStyle/>
+          <a:p>
+            <a:pPr algn="ctr"/>
+            <a:r>
+              <a:rPr lang="ko-KR" altLang="en-US" sz="1100" smtClean="0"/>
+              <a:t>비번</a:t>
+            </a:r>
+            <a:endParaRPr lang="ko-KR" altLang="en-US" sz="1100"/>
+          </a:p>
+        </p:txBody>
+      </p:sp>
+      <p:sp>
+        <p:nvSpPr>
+          <p:cNvPr id="21" name="타원 20"/>
+          <p:cNvSpPr/>
+          <p:nvPr/>
+        </p:nvSpPr>
+        <p:spPr>
+          <a:xfrm>
+            <a:off x="1254547" y="2054906"/>
+            <a:ext cx="681950" cy="328706"/>
+          </a:xfrm>
+          <a:prstGeom prst="ellipse">
+            <a:avLst/>
+          </a:prstGeom>
+        </p:spPr>
+        <p:style>
+          <a:lnRef idx="2">
+            <a:schemeClr val="accent1">
+              <a:shade val="50000"/>
+            </a:schemeClr>
+          </a:lnRef>
+          <a:fillRef idx="1">
+            <a:schemeClr val="accent1"/>
+          </a:fillRef>
+          <a:effectRef idx="0">
+            <a:schemeClr val="accent1"/>
+          </a:effectRef>
+          <a:fontRef idx="minor">
+            <a:schemeClr val="lt1"/>
+          </a:fontRef>
+        </p:style>
+        <p:txBody>
+          <a:bodyPr rtlCol="0" anchor="ctr"/>
+          <a:lstStyle/>
+          <a:p>
+            <a:pPr algn="ctr"/>
+            <a:r>
+              <a:rPr lang="ko-KR" altLang="en-US" sz="1100" smtClean="0"/>
+              <a:t>주소</a:t>
+            </a:r>
+            <a:endParaRPr lang="ko-KR" altLang="en-US" sz="1100"/>
+          </a:p>
+        </p:txBody>
+      </p:sp>
+      <p:sp>
+        <p:nvSpPr>
+          <p:cNvPr id="27" name="직사각형 26"/>
+          <p:cNvSpPr/>
+          <p:nvPr/>
+        </p:nvSpPr>
+        <p:spPr>
+          <a:xfrm>
+            <a:off x="1195085" y="3671228"/>
+            <a:ext cx="698772" cy="355221"/>
+          </a:xfrm>
+          <a:prstGeom prst="rect">
+            <a:avLst/>
+          </a:prstGeom>
+        </p:spPr>
+        <p:style>
+          <a:lnRef idx="2">
+            <a:schemeClr val="accent1">
+              <a:shade val="50000"/>
+            </a:schemeClr>
+          </a:lnRef>
+          <a:fillRef idx="1">
+            <a:schemeClr val="accent1"/>
+          </a:fillRef>
+          <a:effectRef idx="0">
+            <a:schemeClr val="accent1"/>
+          </a:effectRef>
+          <a:fontRef idx="minor">
+            <a:schemeClr val="lt1"/>
+          </a:fontRef>
+        </p:style>
+        <p:txBody>
+          <a:bodyPr rtlCol="0" anchor="ctr"/>
+          <a:lstStyle/>
+          <a:p>
+            <a:pPr algn="ctr"/>
+            <a:r>
+              <a:rPr lang="ko-KR" altLang="en-US" sz="1100" smtClean="0"/>
+              <a:t>로그인</a:t>
+            </a:r>
+            <a:endParaRPr lang="ko-KR" altLang="en-US" sz="1100"/>
+          </a:p>
+        </p:txBody>
+      </p:sp>
+      <p:sp>
+        <p:nvSpPr>
+          <p:cNvPr id="32" name="다이아몬드 31"/>
+          <p:cNvSpPr/>
+          <p:nvPr/>
+        </p:nvSpPr>
+        <p:spPr>
+          <a:xfrm>
+            <a:off x="4297348" y="901618"/>
+            <a:ext cx="1243210" cy="826211"/>
+          </a:xfrm>
+          <a:prstGeom prst="diamond">
+            <a:avLst/>
+          </a:prstGeom>
+        </p:spPr>
+        <p:style>
+          <a:lnRef idx="2">
+            <a:schemeClr val="accent1">
+              <a:shade val="50000"/>
+            </a:schemeClr>
+          </a:lnRef>
+          <a:fillRef idx="1">
+            <a:schemeClr val="accent1"/>
+          </a:fillRef>
+          <a:effectRef idx="0">
+            <a:schemeClr val="accent1"/>
+          </a:effectRef>
+          <a:fontRef idx="minor">
+            <a:schemeClr val="lt1"/>
+          </a:fontRef>
+        </p:style>
+        <p:txBody>
+          <a:bodyPr rtlCol="0" anchor="ctr"/>
+          <a:lstStyle/>
+          <a:p>
+            <a:pPr algn="ctr"/>
+            <a:r>
+              <a:rPr lang="ko-KR" altLang="en-US" sz="1100" smtClean="0"/>
+              <a:t>회원</a:t>
+            </a:r>
+            <a:endParaRPr lang="ko-KR" altLang="en-US" sz="1100"/>
+          </a:p>
+        </p:txBody>
+      </p:sp>
+      <p:sp>
+        <p:nvSpPr>
+          <p:cNvPr id="33" name="다이아몬드 32"/>
+          <p:cNvSpPr/>
+          <p:nvPr/>
+        </p:nvSpPr>
+        <p:spPr>
+          <a:xfrm>
+            <a:off x="5651994" y="901618"/>
+            <a:ext cx="1243210" cy="826211"/>
+          </a:xfrm>
+          <a:prstGeom prst="diamond">
+            <a:avLst/>
+          </a:prstGeom>
+        </p:spPr>
+        <p:style>
+          <a:lnRef idx="2">
+            <a:schemeClr val="accent1">
+              <a:shade val="50000"/>
+            </a:schemeClr>
+          </a:lnRef>
+          <a:fillRef idx="1">
+            <a:schemeClr val="accent1"/>
+          </a:fillRef>
+          <a:effectRef idx="0">
+            <a:schemeClr val="accent1"/>
+          </a:effectRef>
+          <a:fontRef idx="minor">
+            <a:schemeClr val="lt1"/>
+          </a:fontRef>
+        </p:style>
+        <p:txBody>
+          <a:bodyPr rtlCol="0" anchor="ctr"/>
+          <a:lstStyle/>
+          <a:p>
+            <a:pPr algn="ctr"/>
+            <a:r>
+              <a:rPr lang="ko-KR" altLang="en-US" sz="1100" smtClean="0"/>
+              <a:t>관리자</a:t>
+            </a:r>
+            <a:endParaRPr lang="ko-KR" altLang="en-US" sz="1100"/>
+          </a:p>
+        </p:txBody>
+      </p:sp>
+      <p:sp>
+        <p:nvSpPr>
+          <p:cNvPr id="34" name="직사각형 33"/>
+          <p:cNvSpPr/>
+          <p:nvPr/>
+        </p:nvSpPr>
+        <p:spPr>
+          <a:xfrm>
+            <a:off x="6872277" y="2521811"/>
+            <a:ext cx="758780" cy="616229"/>
+          </a:xfrm>
+          <a:prstGeom prst="rect">
+            <a:avLst/>
+          </a:prstGeom>
+        </p:spPr>
+        <p:style>
+          <a:lnRef idx="2">
+            <a:schemeClr val="accent1">
+              <a:shade val="50000"/>
+            </a:schemeClr>
+          </a:lnRef>
+          <a:fillRef idx="1">
+            <a:schemeClr val="accent1"/>
+          </a:fillRef>
+          <a:effectRef idx="0">
+            <a:schemeClr val="accent1"/>
+          </a:effectRef>
+          <a:fontRef idx="minor">
+            <a:schemeClr val="lt1"/>
+          </a:fontRef>
+        </p:style>
+        <p:txBody>
+          <a:bodyPr rtlCol="0" anchor="ctr"/>
+          <a:lstStyle/>
+          <a:p>
+            <a:pPr algn="ctr"/>
+            <a:r>
+              <a:rPr lang="ko-KR" altLang="en-US" sz="1100" smtClean="0"/>
+              <a:t>제품</a:t>
+            </a:r>
+            <a:endParaRPr lang="ko-KR" altLang="en-US" sz="1100"/>
+          </a:p>
+        </p:txBody>
+      </p:sp>
+      <p:sp>
+        <p:nvSpPr>
+          <p:cNvPr id="36" name="타원 35"/>
+          <p:cNvSpPr/>
+          <p:nvPr/>
+        </p:nvSpPr>
+        <p:spPr>
+          <a:xfrm>
+            <a:off x="8055893" y="2829925"/>
+            <a:ext cx="726041" cy="566899"/>
+          </a:xfrm>
+          <a:prstGeom prst="ellipse">
+            <a:avLst/>
+          </a:prstGeom>
+        </p:spPr>
+        <p:style>
+          <a:lnRef idx="2">
+            <a:schemeClr val="accent1">
+              <a:shade val="50000"/>
+            </a:schemeClr>
+          </a:lnRef>
+          <a:fillRef idx="1">
+            <a:schemeClr val="accent1"/>
+          </a:fillRef>
+          <a:effectRef idx="0">
+            <a:schemeClr val="accent1"/>
+          </a:effectRef>
+          <a:fontRef idx="minor">
+            <a:schemeClr val="lt1"/>
+          </a:fontRef>
+        </p:style>
+        <p:txBody>
+          <a:bodyPr rtlCol="0" anchor="ctr"/>
+          <a:lstStyle/>
+          <a:p>
+            <a:pPr algn="ctr"/>
+            <a:r>
+              <a:rPr lang="ko-KR" altLang="en-US" sz="1100" smtClean="0"/>
+              <a:t>제품 수정</a:t>
+            </a:r>
+            <a:endParaRPr lang="ko-KR" altLang="en-US" sz="1100"/>
+          </a:p>
+        </p:txBody>
+      </p:sp>
+      <p:sp>
+        <p:nvSpPr>
+          <p:cNvPr id="37" name="타원 36"/>
+          <p:cNvSpPr/>
+          <p:nvPr/>
+        </p:nvSpPr>
+        <p:spPr>
+          <a:xfrm>
+            <a:off x="8068946" y="3387779"/>
+            <a:ext cx="726041" cy="566899"/>
+          </a:xfrm>
+          <a:prstGeom prst="ellipse">
+            <a:avLst/>
+          </a:prstGeom>
+        </p:spPr>
+        <p:style>
+          <a:lnRef idx="2">
+            <a:schemeClr val="accent1">
+              <a:shade val="50000"/>
+            </a:schemeClr>
+          </a:lnRef>
+          <a:fillRef idx="1">
+            <a:schemeClr val="accent1"/>
+          </a:fillRef>
+          <a:effectRef idx="0">
+            <a:schemeClr val="accent1"/>
+          </a:effectRef>
+          <a:fontRef idx="minor">
+            <a:schemeClr val="lt1"/>
+          </a:fontRef>
+        </p:style>
+        <p:txBody>
+          <a:bodyPr rtlCol="0" anchor="ctr"/>
+          <a:lstStyle/>
+          <a:p>
+            <a:pPr algn="ctr"/>
+            <a:r>
+              <a:rPr lang="ko-KR" altLang="en-US" sz="1100" smtClean="0"/>
+              <a:t>제품 등록</a:t>
+            </a:r>
+            <a:endParaRPr lang="ko-KR" altLang="en-US" sz="1100"/>
+          </a:p>
+        </p:txBody>
+      </p:sp>
+    </p:spTree>
+    <p:extLst>
+      <p:ext uri="{BB962C8B-B14F-4D97-AF65-F5344CB8AC3E}">
+        <p14:creationId xmlns:p14="http://schemas.microsoft.com/office/powerpoint/2010/main" val="820352734"/>
+      </p:ext>
+    </p:extLst>
+  </p:cSld>
+  <p:clrMapOvr>
+    <a:masterClrMapping/>
+  </p:clrMapOvr>
+</p:sld>
+</file>
+
 <file path=ppt/theme/theme1.xml><?xml version="1.0" encoding="utf-8"?>
 <a:theme xmlns:a="http://schemas.openxmlformats.org/drawingml/2006/main" name="Office 테마">
   <a:themeElements>
